--- a/public/dekut-saf-livedemo-fridge.pptx
+++ b/public/dekut-saf-livedemo-fridge.pptx
@@ -5,12 +5,16 @@
     <p:sldMasterId id="2147483648" r:id="rId1"/>
   </p:sldMasterIdLst>
   <p:sldIdLst>
-    <p:sldId id="257" r:id="rId2"/>
-    <p:sldId id="547" r:id="rId3"/>
-    <p:sldId id="549" r:id="rId4"/>
-    <p:sldId id="533" r:id="rId5"/>
-    <p:sldId id="534" r:id="rId6"/>
-    <p:sldId id="256" r:id="rId7"/>
+    <p:sldId id="278" r:id="rId2"/>
+    <p:sldId id="552" r:id="rId3"/>
+    <p:sldId id="551" r:id="rId4"/>
+    <p:sldId id="553" r:id="rId5"/>
+    <p:sldId id="550" r:id="rId6"/>
+    <p:sldId id="547" r:id="rId7"/>
+    <p:sldId id="549" r:id="rId8"/>
+    <p:sldId id="533" r:id="rId9"/>
+    <p:sldId id="534" r:id="rId10"/>
+    <p:sldId id="256" r:id="rId11"/>
   </p:sldIdLst>
   <p:sldSz cx="12192000" cy="6858000"/>
   <p:notesSz cx="6858000" cy="9144000"/>
@@ -24813,62 +24817,12 @@
           <a:chExt cx="0" cy="0"/>
         </a:xfrm>
       </p:grpSpPr>
-      <p:sp>
-        <p:nvSpPr>
-          <p:cNvPr id="2" name="Title 1">
+      <p:pic>
+        <p:nvPicPr>
+          <p:cNvPr id="5" name="Picture 4">
             <a:extLst>
               <a:ext uri="{FF2B5EF4-FFF2-40B4-BE49-F238E27FC236}">
-                <a16:creationId xmlns:a16="http://schemas.microsoft.com/office/drawing/2014/main" id="{167E07F7-6E74-2F62-4795-646417B97541}"/>
-              </a:ext>
-            </a:extLst>
-          </p:cNvPr>
-          <p:cNvSpPr>
-            <a:spLocks noGrp="1"/>
-          </p:cNvSpPr>
-          <p:nvPr>
-            <p:ph type="title"/>
-          </p:nvPr>
-        </p:nvSpPr>
-        <p:spPr/>
-        <p:txBody>
-          <a:bodyPr/>
-          <a:lstStyle/>
-          <a:p>
-            <a:endParaRPr lang="en-KE"/>
-          </a:p>
-        </p:txBody>
-      </p:sp>
-      <p:sp>
-        <p:nvSpPr>
-          <p:cNvPr id="3" name="Content Placeholder 2">
-            <a:extLst>
-              <a:ext uri="{FF2B5EF4-FFF2-40B4-BE49-F238E27FC236}">
-                <a16:creationId xmlns:a16="http://schemas.microsoft.com/office/drawing/2014/main" id="{E1493E0E-FE38-A3B6-B6B3-9CF45D71318C}"/>
-              </a:ext>
-            </a:extLst>
-          </p:cNvPr>
-          <p:cNvSpPr>
-            <a:spLocks noGrp="1"/>
-          </p:cNvSpPr>
-          <p:nvPr>
-            <p:ph idx="1"/>
-          </p:nvPr>
-        </p:nvSpPr>
-        <p:spPr/>
-        <p:txBody>
-          <a:bodyPr/>
-          <a:lstStyle/>
-          <a:p>
-            <a:endParaRPr lang="en-KE"/>
-          </a:p>
-        </p:txBody>
-      </p:sp>
-      <p:pic>
-        <p:nvPicPr>
-          <p:cNvPr id="4" name="Picture 3">
-            <a:extLst>
-              <a:ext uri="{FF2B5EF4-FFF2-40B4-BE49-F238E27FC236}">
-                <a16:creationId xmlns:a16="http://schemas.microsoft.com/office/drawing/2014/main" id="{245A4A0B-3595-A87F-A8B9-B39450848498}"/>
+                <a16:creationId xmlns:a16="http://schemas.microsoft.com/office/drawing/2014/main" id="{3BE2A869-F8FE-9B4E-BA9A-16230328C9BA}"/>
               </a:ext>
             </a:extLst>
           </p:cNvPr>
@@ -24890,7 +24844,7 @@
         </p:blipFill>
         <p:spPr>
           <a:xfrm>
-            <a:off x="-130628" y="0"/>
+            <a:off x="0" y="0"/>
             <a:ext cx="12192000" cy="6858000"/>
           </a:xfrm>
           <a:prstGeom prst="rect">
@@ -24900,10 +24854,10 @@
       </p:pic>
       <p:pic>
         <p:nvPicPr>
-          <p:cNvPr id="5" name="Picture 4">
+          <p:cNvPr id="4" name="Picture 3">
             <a:extLst>
               <a:ext uri="{FF2B5EF4-FFF2-40B4-BE49-F238E27FC236}">
-                <a16:creationId xmlns:a16="http://schemas.microsoft.com/office/drawing/2014/main" id="{AE7393D7-7AEF-C4EB-B043-8D27A409300D}"/>
+                <a16:creationId xmlns:a16="http://schemas.microsoft.com/office/drawing/2014/main" id="{7017454E-C885-8F1A-3007-CD34CFA67AA3}"/>
               </a:ext>
             </a:extLst>
           </p:cNvPr>
@@ -24936,10 +24890,48 @@
       </p:pic>
       <p:sp>
         <p:nvSpPr>
-          <p:cNvPr id="6" name="TextBox 5">
+          <p:cNvPr id="2" name="TextBox 1">
             <a:extLst>
               <a:ext uri="{FF2B5EF4-FFF2-40B4-BE49-F238E27FC236}">
-                <a16:creationId xmlns:a16="http://schemas.microsoft.com/office/drawing/2014/main" id="{A67505F3-8DD4-ABCC-7249-7A819BD2884F}"/>
+                <a16:creationId xmlns:a16="http://schemas.microsoft.com/office/drawing/2014/main" id="{1BEC89B3-F526-E0FF-6383-D30E7D8FE2A2}"/>
+              </a:ext>
+            </a:extLst>
+          </p:cNvPr>
+          <p:cNvSpPr txBox="1"/>
+          <p:nvPr/>
+        </p:nvSpPr>
+        <p:spPr>
+          <a:xfrm>
+            <a:off x="1" y="2647063"/>
+            <a:ext cx="12192000" cy="1107996"/>
+          </a:xfrm>
+          <a:prstGeom prst="rect">
+            <a:avLst/>
+          </a:prstGeom>
+          <a:noFill/>
+        </p:spPr>
+        <p:txBody>
+          <a:bodyPr wrap="square" rtlCol="0">
+            <a:spAutoFit/>
+          </a:bodyPr>
+          <a:lstStyle/>
+          <a:p>
+            <a:pPr algn="ctr"/>
+            <a:endParaRPr lang="en-KE" sz="6600" b="1" dirty="0">
+              <a:solidFill>
+                <a:schemeClr val="bg1"/>
+              </a:solidFill>
+              <a:latin typeface="Tw Cen MT" panose="020B0602020104020603" pitchFamily="34" charset="77"/>
+            </a:endParaRPr>
+          </a:p>
+        </p:txBody>
+      </p:sp>
+      <p:sp>
+        <p:nvSpPr>
+          <p:cNvPr id="3" name="TextBox 2">
+            <a:extLst>
+              <a:ext uri="{FF2B5EF4-FFF2-40B4-BE49-F238E27FC236}">
+                <a16:creationId xmlns:a16="http://schemas.microsoft.com/office/drawing/2014/main" id="{F7C58CCF-954F-B3CF-A29C-2FAEAB67256F}"/>
               </a:ext>
             </a:extLst>
           </p:cNvPr>
@@ -24949,7 +24941,7 @@
         <p:spPr>
           <a:xfrm>
             <a:off x="-130628" y="1397674"/>
-            <a:ext cx="12192000" cy="4062651"/>
+            <a:ext cx="12192000" cy="3139321"/>
           </a:xfrm>
           <a:prstGeom prst="rect">
             <a:avLst/>
@@ -24976,11 +24968,11 @@
           <a:p>
             <a:pPr algn="ctr"/>
             <a:r>
-              <a:rPr lang="en-KE" sz="4800" b="1" dirty="0">
+              <a:rPr lang="en-KE" sz="3600" b="1" dirty="0">
                 <a:solidFill>
                   <a:schemeClr val="bg1"/>
                 </a:solidFill>
-                <a:latin typeface="Tw Cen MT" panose="020B0602020104020603" pitchFamily="34" charset="77"/>
+                <a:latin typeface="Century Gothic" panose="020B0502020202020204" pitchFamily="34" charset="0"/>
               </a:rPr>
               <a:t>When your fridge becomes your personal nutritionist</a:t>
             </a:r>
@@ -25011,7 +25003,193 @@
     </p:spTree>
     <p:extLst>
       <p:ext uri="{BB962C8B-B14F-4D97-AF65-F5344CB8AC3E}">
-        <p14:creationId xmlns:p14="http://schemas.microsoft.com/office/powerpoint/2010/main" val="2987237913"/>
+        <p14:creationId xmlns:p14="http://schemas.microsoft.com/office/powerpoint/2010/main" val="1524190369"/>
+      </p:ext>
+    </p:extLst>
+  </p:cSld>
+  <p:clrMapOvr>
+    <a:masterClrMapping/>
+  </p:clrMapOvr>
+</p:sld>
+</file>
+
+<file path=ppt/slides/slide10.xml><?xml version="1.0" encoding="utf-8"?>
+<p:sld xmlns:a="http://schemas.openxmlformats.org/drawingml/2006/main" xmlns:r="http://schemas.openxmlformats.org/officeDocument/2006/relationships" xmlns:p="http://schemas.openxmlformats.org/presentationml/2006/main">
+  <p:cSld>
+    <p:spTree>
+      <p:nvGrpSpPr>
+        <p:cNvPr id="1" name=""/>
+        <p:cNvGrpSpPr/>
+        <p:nvPr/>
+      </p:nvGrpSpPr>
+      <p:grpSpPr>
+        <a:xfrm>
+          <a:off x="0" y="0"/>
+          <a:ext cx="0" cy="0"/>
+          <a:chOff x="0" y="0"/>
+          <a:chExt cx="0" cy="0"/>
+        </a:xfrm>
+      </p:grpSpPr>
+      <p:sp>
+        <p:nvSpPr>
+          <p:cNvPr id="2" name="Title 1">
+            <a:extLst>
+              <a:ext uri="{FF2B5EF4-FFF2-40B4-BE49-F238E27FC236}">
+                <a16:creationId xmlns:a16="http://schemas.microsoft.com/office/drawing/2014/main" id="{D43185D6-035D-E35E-7881-90E2DE61DF13}"/>
+              </a:ext>
+            </a:extLst>
+          </p:cNvPr>
+          <p:cNvSpPr>
+            <a:spLocks noGrp="1"/>
+          </p:cNvSpPr>
+          <p:nvPr>
+            <p:ph type="ctrTitle"/>
+          </p:nvPr>
+        </p:nvSpPr>
+        <p:spPr/>
+        <p:txBody>
+          <a:bodyPr/>
+          <a:lstStyle/>
+          <a:p>
+            <a:endParaRPr lang="en-KE"/>
+          </a:p>
+        </p:txBody>
+      </p:sp>
+      <p:sp>
+        <p:nvSpPr>
+          <p:cNvPr id="3" name="Subtitle 2">
+            <a:extLst>
+              <a:ext uri="{FF2B5EF4-FFF2-40B4-BE49-F238E27FC236}">
+                <a16:creationId xmlns:a16="http://schemas.microsoft.com/office/drawing/2014/main" id="{119C6802-8877-1CC7-455D-8C9A787FFCFB}"/>
+              </a:ext>
+            </a:extLst>
+          </p:cNvPr>
+          <p:cNvSpPr>
+            <a:spLocks noGrp="1"/>
+          </p:cNvSpPr>
+          <p:nvPr>
+            <p:ph type="subTitle" idx="1"/>
+          </p:nvPr>
+        </p:nvSpPr>
+        <p:spPr/>
+        <p:txBody>
+          <a:bodyPr/>
+          <a:lstStyle/>
+          <a:p>
+            <a:endParaRPr lang="en-KE"/>
+          </a:p>
+        </p:txBody>
+      </p:sp>
+      <p:pic>
+        <p:nvPicPr>
+          <p:cNvPr id="4" name="Picture 3">
+            <a:hlinkClick r:id="rId2"/>
+            <a:extLst>
+              <a:ext uri="{FF2B5EF4-FFF2-40B4-BE49-F238E27FC236}">
+                <a16:creationId xmlns:a16="http://schemas.microsoft.com/office/drawing/2014/main" id="{08E00A68-C496-3E49-6392-6911071F07B7}"/>
+              </a:ext>
+            </a:extLst>
+          </p:cNvPr>
+          <p:cNvPicPr>
+            <a:picLocks noChangeAspect="1"/>
+          </p:cNvPicPr>
+          <p:nvPr/>
+        </p:nvPicPr>
+        <p:blipFill>
+          <a:blip r:embed="rId3" cstate="screen">
+            <a:extLst>
+              <a:ext uri="{28A0092B-C50C-407E-A947-70E740481C1C}">
+                <a14:useLocalDpi xmlns:a14="http://schemas.microsoft.com/office/drawing/2010/main"/>
+              </a:ext>
+            </a:extLst>
+          </a:blip>
+          <a:srcRect/>
+          <a:stretch/>
+        </p:blipFill>
+        <p:spPr>
+          <a:xfrm>
+            <a:off x="0" y="0"/>
+            <a:ext cx="12192000" cy="6858000"/>
+          </a:xfrm>
+          <a:prstGeom prst="rect">
+            <a:avLst/>
+          </a:prstGeom>
+        </p:spPr>
+      </p:pic>
+      <p:pic>
+        <p:nvPicPr>
+          <p:cNvPr id="5" name="Picture 4">
+            <a:extLst>
+              <a:ext uri="{FF2B5EF4-FFF2-40B4-BE49-F238E27FC236}">
+                <a16:creationId xmlns:a16="http://schemas.microsoft.com/office/drawing/2014/main" id="{7BC4B05A-5A8B-141D-0C90-533D4CCED47C}"/>
+              </a:ext>
+            </a:extLst>
+          </p:cNvPr>
+          <p:cNvPicPr>
+            <a:picLocks noChangeAspect="1"/>
+          </p:cNvPicPr>
+          <p:nvPr/>
+        </p:nvPicPr>
+        <p:blipFill>
+          <a:blip r:embed="rId4"/>
+          <a:stretch>
+            <a:fillRect/>
+          </a:stretch>
+        </p:blipFill>
+        <p:spPr>
+          <a:xfrm>
+            <a:off x="1524000" y="3830637"/>
+            <a:ext cx="1905000" cy="1905000"/>
+          </a:xfrm>
+          <a:prstGeom prst="rect">
+            <a:avLst/>
+          </a:prstGeom>
+        </p:spPr>
+      </p:pic>
+      <p:sp>
+        <p:nvSpPr>
+          <p:cNvPr id="6" name="TextBox 5">
+            <a:hlinkClick r:id="rId2" tooltip="ttttt"/>
+            <a:extLst>
+              <a:ext uri="{FF2B5EF4-FFF2-40B4-BE49-F238E27FC236}">
+                <a16:creationId xmlns:a16="http://schemas.microsoft.com/office/drawing/2014/main" id="{95AEECB7-7483-F056-69A9-263B950B3126}"/>
+              </a:ext>
+            </a:extLst>
+          </p:cNvPr>
+          <p:cNvSpPr txBox="1"/>
+          <p:nvPr/>
+        </p:nvSpPr>
+        <p:spPr>
+          <a:xfrm>
+            <a:off x="4978400" y="4632326"/>
+            <a:ext cx="5384800" cy="523220"/>
+          </a:xfrm>
+          <a:prstGeom prst="rect">
+            <a:avLst/>
+          </a:prstGeom>
+          <a:noFill/>
+        </p:spPr>
+        <p:txBody>
+          <a:bodyPr wrap="square" rtlCol="0">
+            <a:spAutoFit/>
+          </a:bodyPr>
+          <a:lstStyle/>
+          <a:p>
+            <a:r>
+              <a:rPr lang="en-GB" sz="2800" dirty="0"/>
+              <a:t>d</a:t>
+            </a:r>
+            <a:r>
+              <a:rPr lang="en-KE" sz="2800" dirty="0"/>
+              <a:t>ekut-saf-demo.vercel.app</a:t>
+            </a:r>
+          </a:p>
+        </p:txBody>
+      </p:sp>
+    </p:spTree>
+    <p:extLst>
+      <p:ext uri="{BB962C8B-B14F-4D97-AF65-F5344CB8AC3E}">
+        <p14:creationId xmlns:p14="http://schemas.microsoft.com/office/powerpoint/2010/main" val="680834076"/>
       </p:ext>
     </p:extLst>
   </p:cSld>
@@ -25022,6 +25200,521 @@
 </file>
 
 <file path=ppt/slides/slide2.xml><?xml version="1.0" encoding="utf-8"?>
+<p:sld xmlns:a="http://schemas.openxmlformats.org/drawingml/2006/main" xmlns:r="http://schemas.openxmlformats.org/officeDocument/2006/relationships" xmlns:p="http://schemas.openxmlformats.org/presentationml/2006/main">
+  <p:cSld>
+    <p:spTree>
+      <p:nvGrpSpPr>
+        <p:cNvPr id="1" name=""/>
+        <p:cNvGrpSpPr/>
+        <p:nvPr/>
+      </p:nvGrpSpPr>
+      <p:grpSpPr>
+        <a:xfrm>
+          <a:off x="0" y="0"/>
+          <a:ext cx="0" cy="0"/>
+          <a:chOff x="0" y="0"/>
+          <a:chExt cx="0" cy="0"/>
+        </a:xfrm>
+      </p:grpSpPr>
+      <p:pic>
+        <p:nvPicPr>
+          <p:cNvPr id="4" name="Picture 3">
+            <a:extLst>
+              <a:ext uri="{FF2B5EF4-FFF2-40B4-BE49-F238E27FC236}">
+                <a16:creationId xmlns:a16="http://schemas.microsoft.com/office/drawing/2014/main" id="{915EB85D-879C-B48C-6D62-F4A34D5CDA9E}"/>
+              </a:ext>
+            </a:extLst>
+          </p:cNvPr>
+          <p:cNvPicPr>
+            <a:picLocks noChangeAspect="1"/>
+          </p:cNvPicPr>
+          <p:nvPr/>
+        </p:nvPicPr>
+        <p:blipFill>
+          <a:blip r:embed="rId2"/>
+          <a:stretch>
+            <a:fillRect/>
+          </a:stretch>
+        </p:blipFill>
+        <p:spPr>
+          <a:xfrm>
+            <a:off x="922852" y="0"/>
+            <a:ext cx="3510793" cy="6858000"/>
+          </a:xfrm>
+          <a:prstGeom prst="rect">
+            <a:avLst/>
+          </a:prstGeom>
+        </p:spPr>
+      </p:pic>
+      <p:pic>
+        <p:nvPicPr>
+          <p:cNvPr id="6" name="Picture 5">
+            <a:extLst>
+              <a:ext uri="{FF2B5EF4-FFF2-40B4-BE49-F238E27FC236}">
+                <a16:creationId xmlns:a16="http://schemas.microsoft.com/office/drawing/2014/main" id="{DBF6DD2A-855A-FC6B-E14E-7EC8764ACD4B}"/>
+              </a:ext>
+            </a:extLst>
+          </p:cNvPr>
+          <p:cNvPicPr>
+            <a:picLocks noChangeAspect="1"/>
+          </p:cNvPicPr>
+          <p:nvPr/>
+        </p:nvPicPr>
+        <p:blipFill>
+          <a:blip r:embed="rId3"/>
+          <a:stretch>
+            <a:fillRect/>
+          </a:stretch>
+        </p:blipFill>
+        <p:spPr>
+          <a:xfrm>
+            <a:off x="4298950" y="38100"/>
+            <a:ext cx="3594100" cy="6781800"/>
+          </a:xfrm>
+          <a:prstGeom prst="rect">
+            <a:avLst/>
+          </a:prstGeom>
+        </p:spPr>
+      </p:pic>
+      <p:pic>
+        <p:nvPicPr>
+          <p:cNvPr id="7" name="Picture 6">
+            <a:extLst>
+              <a:ext uri="{FF2B5EF4-FFF2-40B4-BE49-F238E27FC236}">
+                <a16:creationId xmlns:a16="http://schemas.microsoft.com/office/drawing/2014/main" id="{6E695071-8F94-A1B6-45F4-825AAB3FB37B}"/>
+              </a:ext>
+            </a:extLst>
+          </p:cNvPr>
+          <p:cNvPicPr>
+            <a:picLocks noChangeAspect="1"/>
+          </p:cNvPicPr>
+          <p:nvPr/>
+        </p:nvPicPr>
+        <p:blipFill>
+          <a:blip r:embed="rId4"/>
+          <a:stretch>
+            <a:fillRect/>
+          </a:stretch>
+        </p:blipFill>
+        <p:spPr>
+          <a:xfrm>
+            <a:off x="7893049" y="108856"/>
+            <a:ext cx="4143629" cy="5998029"/>
+          </a:xfrm>
+          <a:prstGeom prst="rect">
+            <a:avLst/>
+          </a:prstGeom>
+        </p:spPr>
+      </p:pic>
+    </p:spTree>
+    <p:extLst>
+      <p:ext uri="{BB962C8B-B14F-4D97-AF65-F5344CB8AC3E}">
+        <p14:creationId xmlns:p14="http://schemas.microsoft.com/office/powerpoint/2010/main" val="4039980055"/>
+      </p:ext>
+    </p:extLst>
+  </p:cSld>
+  <p:clrMapOvr>
+    <a:masterClrMapping/>
+  </p:clrMapOvr>
+</p:sld>
+</file>
+
+<file path=ppt/slides/slide3.xml><?xml version="1.0" encoding="utf-8"?>
+<p:sld xmlns:a="http://schemas.openxmlformats.org/drawingml/2006/main" xmlns:r="http://schemas.openxmlformats.org/officeDocument/2006/relationships" xmlns:p="http://schemas.openxmlformats.org/presentationml/2006/main">
+  <p:cSld>
+    <p:spTree>
+      <p:nvGrpSpPr>
+        <p:cNvPr id="1" name=""/>
+        <p:cNvGrpSpPr/>
+        <p:nvPr/>
+      </p:nvGrpSpPr>
+      <p:grpSpPr>
+        <a:xfrm>
+          <a:off x="0" y="0"/>
+          <a:ext cx="0" cy="0"/>
+          <a:chOff x="0" y="0"/>
+          <a:chExt cx="0" cy="0"/>
+        </a:xfrm>
+      </p:grpSpPr>
+      <p:pic>
+        <p:nvPicPr>
+          <p:cNvPr id="1026" name="Picture 2" descr="Ensure Secure Communication with AWS IoT Core Using the Certificate Vending  Machine Reference Application | The Internet of Things on AWS – Official  Blog">
+            <a:extLst>
+              <a:ext uri="{FF2B5EF4-FFF2-40B4-BE49-F238E27FC236}">
+                <a16:creationId xmlns:a16="http://schemas.microsoft.com/office/drawing/2014/main" id="{A6E291AC-D907-764A-92E1-DE77BD341A24}"/>
+              </a:ext>
+            </a:extLst>
+          </p:cNvPr>
+          <p:cNvPicPr>
+            <a:picLocks noChangeAspect="1" noChangeArrowheads="1"/>
+          </p:cNvPicPr>
+          <p:nvPr/>
+        </p:nvPicPr>
+        <p:blipFill>
+          <a:blip r:embed="rId2">
+            <a:extLst>
+              <a:ext uri="{28A0092B-C50C-407E-A947-70E740481C1C}">
+                <a14:useLocalDpi xmlns:a14="http://schemas.microsoft.com/office/drawing/2010/main" val="0"/>
+              </a:ext>
+            </a:extLst>
+          </a:blip>
+          <a:srcRect/>
+          <a:stretch>
+            <a:fillRect/>
+          </a:stretch>
+        </p:blipFill>
+        <p:spPr bwMode="auto">
+          <a:xfrm>
+            <a:off x="1320800" y="1225550"/>
+            <a:ext cx="9550400" cy="4406900"/>
+          </a:xfrm>
+          <a:prstGeom prst="rect">
+            <a:avLst/>
+          </a:prstGeom>
+          <a:noFill/>
+          <a:extLst>
+            <a:ext uri="{909E8E84-426E-40DD-AFC4-6F175D3DCCD1}">
+              <a14:hiddenFill xmlns:a14="http://schemas.microsoft.com/office/drawing/2010/main">
+                <a:solidFill>
+                  <a:srgbClr val="FFFFFF"/>
+                </a:solidFill>
+              </a14:hiddenFill>
+            </a:ext>
+          </a:extLst>
+        </p:spPr>
+      </p:pic>
+    </p:spTree>
+    <p:extLst>
+      <p:ext uri="{BB962C8B-B14F-4D97-AF65-F5344CB8AC3E}">
+        <p14:creationId xmlns:p14="http://schemas.microsoft.com/office/powerpoint/2010/main" val="1350391442"/>
+      </p:ext>
+    </p:extLst>
+  </p:cSld>
+  <p:clrMapOvr>
+    <a:masterClrMapping/>
+  </p:clrMapOvr>
+</p:sld>
+</file>
+
+<file path=ppt/slides/slide4.xml><?xml version="1.0" encoding="utf-8"?>
+<p:sld xmlns:a="http://schemas.openxmlformats.org/drawingml/2006/main" xmlns:r="http://schemas.openxmlformats.org/officeDocument/2006/relationships" xmlns:p="http://schemas.openxmlformats.org/presentationml/2006/main">
+  <p:cSld>
+    <p:spTree>
+      <p:nvGrpSpPr>
+        <p:cNvPr id="1" name=""/>
+        <p:cNvGrpSpPr/>
+        <p:nvPr/>
+      </p:nvGrpSpPr>
+      <p:grpSpPr>
+        <a:xfrm>
+          <a:off x="0" y="0"/>
+          <a:ext cx="0" cy="0"/>
+          <a:chOff x="0" y="0"/>
+          <a:chExt cx="0" cy="0"/>
+        </a:xfrm>
+      </p:grpSpPr>
+      <p:sp>
+        <p:nvSpPr>
+          <p:cNvPr id="3" name="Content Placeholder 2">
+            <a:extLst>
+              <a:ext uri="{FF2B5EF4-FFF2-40B4-BE49-F238E27FC236}">
+                <a16:creationId xmlns:a16="http://schemas.microsoft.com/office/drawing/2014/main" id="{F93AC7E5-B7C6-7523-2B34-0652BE3B3A63}"/>
+              </a:ext>
+            </a:extLst>
+          </p:cNvPr>
+          <p:cNvSpPr>
+            <a:spLocks noGrp="1"/>
+          </p:cNvSpPr>
+          <p:nvPr>
+            <p:ph idx="1"/>
+          </p:nvPr>
+        </p:nvSpPr>
+        <p:spPr/>
+        <p:txBody>
+          <a:bodyPr/>
+          <a:lstStyle/>
+          <a:p>
+            <a:r>
+              <a:rPr lang="en-KE" dirty="0"/>
+              <a:t>Fridge</a:t>
+            </a:r>
+          </a:p>
+          <a:p>
+            <a:r>
+              <a:rPr lang="en-KE" dirty="0"/>
+              <a:t>Microcontroller board( Arduino, Raspberry Pi)</a:t>
+            </a:r>
+          </a:p>
+          <a:p>
+            <a:r>
+              <a:rPr lang="en-KE" dirty="0"/>
+              <a:t>Temperature sensor</a:t>
+            </a:r>
+          </a:p>
+          <a:p>
+            <a:r>
+              <a:rPr lang="en-KE" dirty="0"/>
+              <a:t>Humidity sensor</a:t>
+            </a:r>
+          </a:p>
+          <a:p>
+            <a:r>
+              <a:rPr lang="en-KE" dirty="0"/>
+              <a:t>C</a:t>
+            </a:r>
+            <a:r>
+              <a:rPr lang="en-GB" dirty="0"/>
+              <a:t>a</a:t>
+            </a:r>
+            <a:r>
+              <a:rPr lang="en-KE" dirty="0"/>
+              <a:t>mera</a:t>
+            </a:r>
+          </a:p>
+          <a:p>
+            <a:endParaRPr lang="en-KE" dirty="0"/>
+          </a:p>
+          <a:p>
+            <a:endParaRPr lang="en-KE" dirty="0"/>
+          </a:p>
+        </p:txBody>
+      </p:sp>
+    </p:spTree>
+    <p:extLst>
+      <p:ext uri="{BB962C8B-B14F-4D97-AF65-F5344CB8AC3E}">
+        <p14:creationId xmlns:p14="http://schemas.microsoft.com/office/powerpoint/2010/main" val="282966596"/>
+      </p:ext>
+    </p:extLst>
+  </p:cSld>
+  <p:clrMapOvr>
+    <a:masterClrMapping/>
+  </p:clrMapOvr>
+</p:sld>
+</file>
+
+<file path=ppt/slides/slide5.xml><?xml version="1.0" encoding="utf-8"?>
+<p:sld xmlns:a="http://schemas.openxmlformats.org/drawingml/2006/main" xmlns:r="http://schemas.openxmlformats.org/officeDocument/2006/relationships" xmlns:p="http://schemas.openxmlformats.org/presentationml/2006/main">
+  <p:cSld>
+    <p:bg>
+      <p:bgPr>
+        <a:solidFill>
+          <a:schemeClr val="bg1"/>
+        </a:solidFill>
+        <a:effectLst/>
+      </p:bgPr>
+    </p:bg>
+    <p:spTree>
+      <p:nvGrpSpPr>
+        <p:cNvPr id="1" name=""/>
+        <p:cNvGrpSpPr/>
+        <p:nvPr/>
+      </p:nvGrpSpPr>
+      <p:grpSpPr>
+        <a:xfrm>
+          <a:off x="0" y="0"/>
+          <a:ext cx="0" cy="0"/>
+          <a:chOff x="0" y="0"/>
+          <a:chExt cx="0" cy="0"/>
+        </a:xfrm>
+      </p:grpSpPr>
+      <p:sp>
+        <p:nvSpPr>
+          <p:cNvPr id="10" name="Rectangle 9">
+            <a:extLst>
+              <a:ext uri="{FF2B5EF4-FFF2-40B4-BE49-F238E27FC236}">
+                <a16:creationId xmlns:a16="http://schemas.microsoft.com/office/drawing/2014/main" id="{42A4FC2C-047E-45A5-965D-8E1E3BF09BC6}"/>
+              </a:ext>
+              <a:ext uri="{C183D7F6-B498-43B3-948B-1728B52AA6E4}">
+                <adec:decorative xmlns:adec="http://schemas.microsoft.com/office/drawing/2017/decorative" val="1"/>
+              </a:ext>
+            </a:extLst>
+          </p:cNvPr>
+          <p:cNvSpPr>
+            <a:spLocks noGrp="1" noRot="1" noChangeAspect="1" noMove="1" noResize="1" noEditPoints="1" noAdjustHandles="1" noChangeArrowheads="1" noChangeShapeType="1" noTextEdit="1"/>
+          </p:cNvSpPr>
+          <p:nvPr>
+            <p:extLst>
+              <p:ext uri="{386F3935-93C4-4BCD-93E2-E3B085C9AB24}">
+                <p16:designElem xmlns:p16="http://schemas.microsoft.com/office/powerpoint/2015/main" val="1"/>
+              </p:ext>
+            </p:extLst>
+          </p:nvPr>
+        </p:nvSpPr>
+        <p:spPr bwMode="white">
+          <a:xfrm>
+            <a:off x="1524" y="0"/>
+            <a:ext cx="12188952" cy="6858000"/>
+          </a:xfrm>
+          <a:prstGeom prst="rect">
+            <a:avLst/>
+          </a:prstGeom>
+          <a:noFill/>
+          <a:ln>
+            <a:noFill/>
+          </a:ln>
+        </p:spPr>
+        <p:style>
+          <a:lnRef idx="2">
+            <a:schemeClr val="accent1">
+              <a:shade val="50000"/>
+            </a:schemeClr>
+          </a:lnRef>
+          <a:fillRef idx="1">
+            <a:schemeClr val="accent1"/>
+          </a:fillRef>
+          <a:effectRef idx="0">
+            <a:schemeClr val="accent1"/>
+          </a:effectRef>
+          <a:fontRef idx="minor">
+            <a:schemeClr val="lt1"/>
+          </a:fontRef>
+        </p:style>
+        <p:txBody>
+          <a:bodyPr rtlCol="0" anchor="ctr"/>
+          <a:lstStyle>
+            <a:defPPr>
+              <a:defRPr lang="en-US"/>
+            </a:defPPr>
+            <a:lvl1pPr marL="0" algn="l" defTabSz="914400" rtl="0" eaLnBrk="1" latinLnBrk="0" hangingPunct="1">
+              <a:defRPr sz="1800" kern="1200">
+                <a:solidFill>
+                  <a:schemeClr val="lt1"/>
+                </a:solidFill>
+                <a:latin typeface="+mn-lt"/>
+                <a:ea typeface="+mn-ea"/>
+                <a:cs typeface="+mn-cs"/>
+              </a:defRPr>
+            </a:lvl1pPr>
+            <a:lvl2pPr marL="457200" algn="l" defTabSz="914400" rtl="0" eaLnBrk="1" latinLnBrk="0" hangingPunct="1">
+              <a:defRPr sz="1800" kern="1200">
+                <a:solidFill>
+                  <a:schemeClr val="lt1"/>
+                </a:solidFill>
+                <a:latin typeface="+mn-lt"/>
+                <a:ea typeface="+mn-ea"/>
+                <a:cs typeface="+mn-cs"/>
+              </a:defRPr>
+            </a:lvl2pPr>
+            <a:lvl3pPr marL="914400" algn="l" defTabSz="914400" rtl="0" eaLnBrk="1" latinLnBrk="0" hangingPunct="1">
+              <a:defRPr sz="1800" kern="1200">
+                <a:solidFill>
+                  <a:schemeClr val="lt1"/>
+                </a:solidFill>
+                <a:latin typeface="+mn-lt"/>
+                <a:ea typeface="+mn-ea"/>
+                <a:cs typeface="+mn-cs"/>
+              </a:defRPr>
+            </a:lvl3pPr>
+            <a:lvl4pPr marL="1371600" algn="l" defTabSz="914400" rtl="0" eaLnBrk="1" latinLnBrk="0" hangingPunct="1">
+              <a:defRPr sz="1800" kern="1200">
+                <a:solidFill>
+                  <a:schemeClr val="lt1"/>
+                </a:solidFill>
+                <a:latin typeface="+mn-lt"/>
+                <a:ea typeface="+mn-ea"/>
+                <a:cs typeface="+mn-cs"/>
+              </a:defRPr>
+            </a:lvl4pPr>
+            <a:lvl5pPr marL="1828800" algn="l" defTabSz="914400" rtl="0" eaLnBrk="1" latinLnBrk="0" hangingPunct="1">
+              <a:defRPr sz="1800" kern="1200">
+                <a:solidFill>
+                  <a:schemeClr val="lt1"/>
+                </a:solidFill>
+                <a:latin typeface="+mn-lt"/>
+                <a:ea typeface="+mn-ea"/>
+                <a:cs typeface="+mn-cs"/>
+              </a:defRPr>
+            </a:lvl5pPr>
+            <a:lvl6pPr marL="2286000" algn="l" defTabSz="914400" rtl="0" eaLnBrk="1" latinLnBrk="0" hangingPunct="1">
+              <a:defRPr sz="1800" kern="1200">
+                <a:solidFill>
+                  <a:schemeClr val="lt1"/>
+                </a:solidFill>
+                <a:latin typeface="+mn-lt"/>
+                <a:ea typeface="+mn-ea"/>
+                <a:cs typeface="+mn-cs"/>
+              </a:defRPr>
+            </a:lvl6pPr>
+            <a:lvl7pPr marL="2743200" algn="l" defTabSz="914400" rtl="0" eaLnBrk="1" latinLnBrk="0" hangingPunct="1">
+              <a:defRPr sz="1800" kern="1200">
+                <a:solidFill>
+                  <a:schemeClr val="lt1"/>
+                </a:solidFill>
+                <a:latin typeface="+mn-lt"/>
+                <a:ea typeface="+mn-ea"/>
+                <a:cs typeface="+mn-cs"/>
+              </a:defRPr>
+            </a:lvl7pPr>
+            <a:lvl8pPr marL="3200400" algn="l" defTabSz="914400" rtl="0" eaLnBrk="1" latinLnBrk="0" hangingPunct="1">
+              <a:defRPr sz="1800" kern="1200">
+                <a:solidFill>
+                  <a:schemeClr val="lt1"/>
+                </a:solidFill>
+                <a:latin typeface="+mn-lt"/>
+                <a:ea typeface="+mn-ea"/>
+                <a:cs typeface="+mn-cs"/>
+              </a:defRPr>
+            </a:lvl8pPr>
+            <a:lvl9pPr marL="3657600" algn="l" defTabSz="914400" rtl="0" eaLnBrk="1" latinLnBrk="0" hangingPunct="1">
+              <a:defRPr sz="1800" kern="1200">
+                <a:solidFill>
+                  <a:schemeClr val="lt1"/>
+                </a:solidFill>
+                <a:latin typeface="+mn-lt"/>
+                <a:ea typeface="+mn-ea"/>
+                <a:cs typeface="+mn-cs"/>
+              </a:defRPr>
+            </a:lvl9pPr>
+          </a:lstStyle>
+          <a:p>
+            <a:pPr algn="ctr"/>
+            <a:endParaRPr lang="en-US"/>
+          </a:p>
+        </p:txBody>
+      </p:sp>
+      <p:pic>
+        <p:nvPicPr>
+          <p:cNvPr id="5" name="Picture 4" descr="A circuit board with wires and wires&#10;&#10;Description automatically generated">
+            <a:extLst>
+              <a:ext uri="{FF2B5EF4-FFF2-40B4-BE49-F238E27FC236}">
+                <a16:creationId xmlns:a16="http://schemas.microsoft.com/office/drawing/2014/main" id="{0FB81339-2153-1D20-1E81-616E7F8D4204}"/>
+              </a:ext>
+            </a:extLst>
+          </p:cNvPr>
+          <p:cNvPicPr>
+            <a:picLocks noChangeAspect="1"/>
+          </p:cNvPicPr>
+          <p:nvPr/>
+        </p:nvPicPr>
+        <p:blipFill rotWithShape="1">
+          <a:blip r:embed="rId2"/>
+          <a:srcRect t="30880" b="43812"/>
+          <a:stretch/>
+        </p:blipFill>
+        <p:spPr>
+          <a:xfrm>
+            <a:off x="20" y="1282"/>
+            <a:ext cx="12191980" cy="6856718"/>
+          </a:xfrm>
+          <a:prstGeom prst="rect">
+            <a:avLst/>
+          </a:prstGeom>
+        </p:spPr>
+      </p:pic>
+    </p:spTree>
+    <p:extLst>
+      <p:ext uri="{BB962C8B-B14F-4D97-AF65-F5344CB8AC3E}">
+        <p14:creationId xmlns:p14="http://schemas.microsoft.com/office/powerpoint/2010/main" val="4022099574"/>
+      </p:ext>
+    </p:extLst>
+  </p:cSld>
+  <p:clrMapOvr>
+    <a:masterClrMapping/>
+  </p:clrMapOvr>
+</p:sld>
+</file>
+
+<file path=ppt/slides/slide6.xml><?xml version="1.0" encoding="utf-8"?>
 <p:sld xmlns:a="http://schemas.openxmlformats.org/drawingml/2006/main" xmlns:r="http://schemas.openxmlformats.org/officeDocument/2006/relationships" xmlns:p="http://schemas.openxmlformats.org/presentationml/2006/main">
   <p:cSld>
     <p:spTree>
@@ -25194,7 +25887,7 @@
 </p:sld>
 </file>
 
-<file path=ppt/slides/slide3.xml><?xml version="1.0" encoding="utf-8"?>
+<file path=ppt/slides/slide7.xml><?xml version="1.0" encoding="utf-8"?>
 <p:sld xmlns:a="http://schemas.openxmlformats.org/drawingml/2006/main" xmlns:r="http://schemas.openxmlformats.org/officeDocument/2006/relationships" xmlns:p="http://schemas.openxmlformats.org/presentationml/2006/main">
   <p:cSld>
     <p:spTree>
@@ -26649,7 +27342,7 @@
 </p:sld>
 </file>
 
-<file path=ppt/slides/slide4.xml><?xml version="1.0" encoding="utf-8"?>
+<file path=ppt/slides/slide8.xml><?xml version="1.0" encoding="utf-8"?>
 <p:sld xmlns:a="http://schemas.openxmlformats.org/drawingml/2006/main" xmlns:r="http://schemas.openxmlformats.org/officeDocument/2006/relationships" xmlns:p="http://schemas.openxmlformats.org/presentationml/2006/main">
   <p:cSld>
     <p:spTree>
@@ -26802,7 +27495,7 @@
 </p:sld>
 </file>
 
-<file path=ppt/slides/slide5.xml><?xml version="1.0" encoding="utf-8"?>
+<file path=ppt/slides/slide9.xml><?xml version="1.0" encoding="utf-8"?>
 <p:sld xmlns:a="http://schemas.openxmlformats.org/drawingml/2006/main" xmlns:r="http://schemas.openxmlformats.org/officeDocument/2006/relationships" xmlns:p="http://schemas.openxmlformats.org/presentationml/2006/main">
   <p:cSld>
     <p:spTree>
@@ -26946,192 +27639,6 @@
     <p:extLst>
       <p:ext uri="{BB962C8B-B14F-4D97-AF65-F5344CB8AC3E}">
         <p14:creationId xmlns:p14="http://schemas.microsoft.com/office/powerpoint/2010/main" val="490758106"/>
-      </p:ext>
-    </p:extLst>
-  </p:cSld>
-  <p:clrMapOvr>
-    <a:masterClrMapping/>
-  </p:clrMapOvr>
-</p:sld>
-</file>
-
-<file path=ppt/slides/slide6.xml><?xml version="1.0" encoding="utf-8"?>
-<p:sld xmlns:a="http://schemas.openxmlformats.org/drawingml/2006/main" xmlns:r="http://schemas.openxmlformats.org/officeDocument/2006/relationships" xmlns:p="http://schemas.openxmlformats.org/presentationml/2006/main">
-  <p:cSld>
-    <p:spTree>
-      <p:nvGrpSpPr>
-        <p:cNvPr id="1" name=""/>
-        <p:cNvGrpSpPr/>
-        <p:nvPr/>
-      </p:nvGrpSpPr>
-      <p:grpSpPr>
-        <a:xfrm>
-          <a:off x="0" y="0"/>
-          <a:ext cx="0" cy="0"/>
-          <a:chOff x="0" y="0"/>
-          <a:chExt cx="0" cy="0"/>
-        </a:xfrm>
-      </p:grpSpPr>
-      <p:sp>
-        <p:nvSpPr>
-          <p:cNvPr id="2" name="Title 1">
-            <a:extLst>
-              <a:ext uri="{FF2B5EF4-FFF2-40B4-BE49-F238E27FC236}">
-                <a16:creationId xmlns:a16="http://schemas.microsoft.com/office/drawing/2014/main" id="{D43185D6-035D-E35E-7881-90E2DE61DF13}"/>
-              </a:ext>
-            </a:extLst>
-          </p:cNvPr>
-          <p:cNvSpPr>
-            <a:spLocks noGrp="1"/>
-          </p:cNvSpPr>
-          <p:nvPr>
-            <p:ph type="ctrTitle"/>
-          </p:nvPr>
-        </p:nvSpPr>
-        <p:spPr/>
-        <p:txBody>
-          <a:bodyPr/>
-          <a:lstStyle/>
-          <a:p>
-            <a:endParaRPr lang="en-KE"/>
-          </a:p>
-        </p:txBody>
-      </p:sp>
-      <p:sp>
-        <p:nvSpPr>
-          <p:cNvPr id="3" name="Subtitle 2">
-            <a:extLst>
-              <a:ext uri="{FF2B5EF4-FFF2-40B4-BE49-F238E27FC236}">
-                <a16:creationId xmlns:a16="http://schemas.microsoft.com/office/drawing/2014/main" id="{119C6802-8877-1CC7-455D-8C9A787FFCFB}"/>
-              </a:ext>
-            </a:extLst>
-          </p:cNvPr>
-          <p:cNvSpPr>
-            <a:spLocks noGrp="1"/>
-          </p:cNvSpPr>
-          <p:nvPr>
-            <p:ph type="subTitle" idx="1"/>
-          </p:nvPr>
-        </p:nvSpPr>
-        <p:spPr/>
-        <p:txBody>
-          <a:bodyPr/>
-          <a:lstStyle/>
-          <a:p>
-            <a:endParaRPr lang="en-KE"/>
-          </a:p>
-        </p:txBody>
-      </p:sp>
-      <p:pic>
-        <p:nvPicPr>
-          <p:cNvPr id="4" name="Picture 3">
-            <a:hlinkClick r:id="rId2"/>
-            <a:extLst>
-              <a:ext uri="{FF2B5EF4-FFF2-40B4-BE49-F238E27FC236}">
-                <a16:creationId xmlns:a16="http://schemas.microsoft.com/office/drawing/2014/main" id="{08E00A68-C496-3E49-6392-6911071F07B7}"/>
-              </a:ext>
-            </a:extLst>
-          </p:cNvPr>
-          <p:cNvPicPr>
-            <a:picLocks noChangeAspect="1"/>
-          </p:cNvPicPr>
-          <p:nvPr/>
-        </p:nvPicPr>
-        <p:blipFill>
-          <a:blip r:embed="rId3" cstate="screen">
-            <a:extLst>
-              <a:ext uri="{28A0092B-C50C-407E-A947-70E740481C1C}">
-                <a14:useLocalDpi xmlns:a14="http://schemas.microsoft.com/office/drawing/2010/main"/>
-              </a:ext>
-            </a:extLst>
-          </a:blip>
-          <a:srcRect/>
-          <a:stretch/>
-        </p:blipFill>
-        <p:spPr>
-          <a:xfrm>
-            <a:off x="0" y="0"/>
-            <a:ext cx="12192000" cy="6858000"/>
-          </a:xfrm>
-          <a:prstGeom prst="rect">
-            <a:avLst/>
-          </a:prstGeom>
-        </p:spPr>
-      </p:pic>
-      <p:pic>
-        <p:nvPicPr>
-          <p:cNvPr id="5" name="Picture 4">
-            <a:extLst>
-              <a:ext uri="{FF2B5EF4-FFF2-40B4-BE49-F238E27FC236}">
-                <a16:creationId xmlns:a16="http://schemas.microsoft.com/office/drawing/2014/main" id="{7BC4B05A-5A8B-141D-0C90-533D4CCED47C}"/>
-              </a:ext>
-            </a:extLst>
-          </p:cNvPr>
-          <p:cNvPicPr>
-            <a:picLocks noChangeAspect="1"/>
-          </p:cNvPicPr>
-          <p:nvPr/>
-        </p:nvPicPr>
-        <p:blipFill>
-          <a:blip r:embed="rId4"/>
-          <a:stretch>
-            <a:fillRect/>
-          </a:stretch>
-        </p:blipFill>
-        <p:spPr>
-          <a:xfrm>
-            <a:off x="1524000" y="3830637"/>
-            <a:ext cx="1905000" cy="1905000"/>
-          </a:xfrm>
-          <a:prstGeom prst="rect">
-            <a:avLst/>
-          </a:prstGeom>
-        </p:spPr>
-      </p:pic>
-      <p:sp>
-        <p:nvSpPr>
-          <p:cNvPr id="6" name="TextBox 5">
-            <a:hlinkClick r:id="rId2" tooltip="ttttt"/>
-            <a:extLst>
-              <a:ext uri="{FF2B5EF4-FFF2-40B4-BE49-F238E27FC236}">
-                <a16:creationId xmlns:a16="http://schemas.microsoft.com/office/drawing/2014/main" id="{95AEECB7-7483-F056-69A9-263B950B3126}"/>
-              </a:ext>
-            </a:extLst>
-          </p:cNvPr>
-          <p:cNvSpPr txBox="1"/>
-          <p:nvPr/>
-        </p:nvSpPr>
-        <p:spPr>
-          <a:xfrm>
-            <a:off x="4978400" y="4632326"/>
-            <a:ext cx="5384800" cy="523220"/>
-          </a:xfrm>
-          <a:prstGeom prst="rect">
-            <a:avLst/>
-          </a:prstGeom>
-          <a:noFill/>
-        </p:spPr>
-        <p:txBody>
-          <a:bodyPr wrap="square" rtlCol="0">
-            <a:spAutoFit/>
-          </a:bodyPr>
-          <a:lstStyle/>
-          <a:p>
-            <a:r>
-              <a:rPr lang="en-GB" sz="2800" dirty="0"/>
-              <a:t>d</a:t>
-            </a:r>
-            <a:r>
-              <a:rPr lang="en-KE" sz="2800" dirty="0"/>
-              <a:t>ekut-saf-demo.vercel.app</a:t>
-            </a:r>
-          </a:p>
-        </p:txBody>
-      </p:sp>
-    </p:spTree>
-    <p:extLst>
-      <p:ext uri="{BB962C8B-B14F-4D97-AF65-F5344CB8AC3E}">
-        <p14:creationId xmlns:p14="http://schemas.microsoft.com/office/powerpoint/2010/main" val="680834076"/>
       </p:ext>
     </p:extLst>
   </p:cSld>
